--- a/TrabajoAlgoritmia.pptx
+++ b/TrabajoAlgoritmia.pptx
@@ -8,8 +8,9 @@
     <p:sldId id="256" r:id="rId2"/>
     <p:sldId id="257" r:id="rId3"/>
     <p:sldId id="260" r:id="rId4"/>
-    <p:sldId id="259" r:id="rId5"/>
-    <p:sldId id="258" r:id="rId6"/>
+    <p:sldId id="261" r:id="rId5"/>
+    <p:sldId id="262" r:id="rId6"/>
+    <p:sldId id="263" r:id="rId7"/>
   </p:sldIdLst>
   <p:sldSz cx="12192000" cy="6858000"/>
   <p:notesSz cx="6858000" cy="9144000"/>
@@ -108,6 +109,11 @@
       </a:defRPr>
     </a:lvl9pPr>
   </p:defaultTextStyle>
+  <p:extLst>
+    <p:ext uri="{EFAFB233-063F-42B5-8137-9DF3F51BA10A}">
+      <p15:sldGuideLst xmlns:p15="http://schemas.microsoft.com/office/powerpoint/2012/main"/>
+    </p:ext>
+  </p:extLst>
 </p:presentation>
 </file>
 
@@ -258,7 +264,7 @@
           <a:p>
             <a:fld id="{167730B6-C210-46FE-97BC-2AC4742D3F5E}" type="datetimeFigureOut">
               <a:rPr lang="es-ES" smtClean="0"/>
-              <a:t>27/11/2025</a:t>
+              <a:t>07/12/2025</a:t>
             </a:fld>
             <a:endParaRPr lang="es-ES"/>
           </a:p>
@@ -456,7 +462,7 @@
           <a:p>
             <a:fld id="{167730B6-C210-46FE-97BC-2AC4742D3F5E}" type="datetimeFigureOut">
               <a:rPr lang="es-ES" smtClean="0"/>
-              <a:t>27/11/2025</a:t>
+              <a:t>07/12/2025</a:t>
             </a:fld>
             <a:endParaRPr lang="es-ES"/>
           </a:p>
@@ -664,7 +670,7 @@
           <a:p>
             <a:fld id="{167730B6-C210-46FE-97BC-2AC4742D3F5E}" type="datetimeFigureOut">
               <a:rPr lang="es-ES" smtClean="0"/>
-              <a:t>27/11/2025</a:t>
+              <a:t>07/12/2025</a:t>
             </a:fld>
             <a:endParaRPr lang="es-ES"/>
           </a:p>
@@ -862,7 +868,7 @@
           <a:p>
             <a:fld id="{167730B6-C210-46FE-97BC-2AC4742D3F5E}" type="datetimeFigureOut">
               <a:rPr lang="es-ES" smtClean="0"/>
-              <a:t>27/11/2025</a:t>
+              <a:t>07/12/2025</a:t>
             </a:fld>
             <a:endParaRPr lang="es-ES"/>
           </a:p>
@@ -1137,7 +1143,7 @@
           <a:p>
             <a:fld id="{167730B6-C210-46FE-97BC-2AC4742D3F5E}" type="datetimeFigureOut">
               <a:rPr lang="es-ES" smtClean="0"/>
-              <a:t>27/11/2025</a:t>
+              <a:t>07/12/2025</a:t>
             </a:fld>
             <a:endParaRPr lang="es-ES"/>
           </a:p>
@@ -1402,7 +1408,7 @@
           <a:p>
             <a:fld id="{167730B6-C210-46FE-97BC-2AC4742D3F5E}" type="datetimeFigureOut">
               <a:rPr lang="es-ES" smtClean="0"/>
-              <a:t>27/11/2025</a:t>
+              <a:t>07/12/2025</a:t>
             </a:fld>
             <a:endParaRPr lang="es-ES"/>
           </a:p>
@@ -1814,7 +1820,7 @@
           <a:p>
             <a:fld id="{167730B6-C210-46FE-97BC-2AC4742D3F5E}" type="datetimeFigureOut">
               <a:rPr lang="es-ES" smtClean="0"/>
-              <a:t>27/11/2025</a:t>
+              <a:t>07/12/2025</a:t>
             </a:fld>
             <a:endParaRPr lang="es-ES"/>
           </a:p>
@@ -1955,7 +1961,7 @@
           <a:p>
             <a:fld id="{167730B6-C210-46FE-97BC-2AC4742D3F5E}" type="datetimeFigureOut">
               <a:rPr lang="es-ES" smtClean="0"/>
-              <a:t>27/11/2025</a:t>
+              <a:t>07/12/2025</a:t>
             </a:fld>
             <a:endParaRPr lang="es-ES"/>
           </a:p>
@@ -2068,7 +2074,7 @@
           <a:p>
             <a:fld id="{167730B6-C210-46FE-97BC-2AC4742D3F5E}" type="datetimeFigureOut">
               <a:rPr lang="es-ES" smtClean="0"/>
-              <a:t>27/11/2025</a:t>
+              <a:t>07/12/2025</a:t>
             </a:fld>
             <a:endParaRPr lang="es-ES"/>
           </a:p>
@@ -2379,7 +2385,7 @@
           <a:p>
             <a:fld id="{167730B6-C210-46FE-97BC-2AC4742D3F5E}" type="datetimeFigureOut">
               <a:rPr lang="es-ES" smtClean="0"/>
-              <a:t>27/11/2025</a:t>
+              <a:t>07/12/2025</a:t>
             </a:fld>
             <a:endParaRPr lang="es-ES"/>
           </a:p>
@@ -2667,7 +2673,7 @@
           <a:p>
             <a:fld id="{167730B6-C210-46FE-97BC-2AC4742D3F5E}" type="datetimeFigureOut">
               <a:rPr lang="es-ES" smtClean="0"/>
-              <a:t>27/11/2025</a:t>
+              <a:t>07/12/2025</a:t>
             </a:fld>
             <a:endParaRPr lang="es-ES"/>
           </a:p>
@@ -2908,7 +2914,7 @@
           <a:p>
             <a:fld id="{167730B6-C210-46FE-97BC-2AC4742D3F5E}" type="datetimeFigureOut">
               <a:rPr lang="es-ES" smtClean="0"/>
-              <a:t>27/11/2025</a:t>
+              <a:t>07/12/2025</a:t>
             </a:fld>
             <a:endParaRPr lang="es-ES"/>
           </a:p>
@@ -3380,7 +3386,7 @@
         <p:spPr>
           <a:xfrm>
             <a:off x="8877" y="5060270"/>
-            <a:ext cx="8291743" cy="1530242"/>
+            <a:ext cx="10641194" cy="1530242"/>
           </a:xfrm>
         </p:spPr>
         <p:txBody>
@@ -3396,25 +3402,7 @@
                 </a:solidFill>
                 <a:latin typeface="Bahnschrift Condensed" panose="020B0502040204020203" pitchFamily="34" charset="0"/>
               </a:rPr>
-              <a:t>Xavier Izquierdo, </a:t>
-            </a:r>
-            <a:r>
-              <a:rPr lang="es-ES" sz="4000" dirty="0" err="1">
-                <a:solidFill>
-                  <a:schemeClr val="bg1"/>
-                </a:solidFill>
-                <a:latin typeface="Bahnschrift Condensed" panose="020B0502040204020203" pitchFamily="34" charset="0"/>
-              </a:rPr>
-              <a:t>Egoi</a:t>
-            </a:r>
-            <a:r>
-              <a:rPr lang="es-ES" sz="4000" dirty="0">
-                <a:solidFill>
-                  <a:schemeClr val="bg1"/>
-                </a:solidFill>
-                <a:latin typeface="Bahnschrift Condensed" panose="020B0502040204020203" pitchFamily="34" charset="0"/>
-              </a:rPr>
-              <a:t> Irigoyen, Jorge Escartín eta </a:t>
+              <a:t>Xavier Izquierdo, Egoi Irigoyen, Jorge Escartín, </a:t>
             </a:r>
             <a:r>
               <a:rPr lang="es-ES" sz="4000" dirty="0" err="1">
@@ -3452,7 +3440,7 @@
         <p:spPr>
           <a:xfrm>
             <a:off x="381741" y="2150616"/>
-            <a:ext cx="8424907" cy="2800767"/>
+            <a:ext cx="10268330" cy="2800767"/>
           </a:xfrm>
           <a:prstGeom prst="rect">
             <a:avLst/>
@@ -3472,7 +3460,18 @@
                 </a:solidFill>
                 <a:latin typeface="Bahnschrift Condensed" panose="020B0502040204020203" pitchFamily="34" charset="0"/>
               </a:rPr>
-              <a:t>Trabajo algoritmia 2025</a:t>
+              <a:t>TRABAJO ALGORITMIA</a:t>
+            </a:r>
+          </a:p>
+          <a:p>
+            <a:r>
+              <a:rPr lang="es-ES" sz="8800" dirty="0">
+                <a:solidFill>
+                  <a:schemeClr val="bg1"/>
+                </a:solidFill>
+                <a:latin typeface="Bahnschrift Condensed" panose="020B0502040204020203" pitchFamily="34" charset="0"/>
+              </a:rPr>
+              <a:t>2025</a:t>
             </a:r>
           </a:p>
         </p:txBody>
@@ -3579,10 +3578,53 @@
                 </a:solidFill>
                 <a:latin typeface="Bahnschrift Condensed" panose="020B0502040204020203" pitchFamily="34" charset="0"/>
               </a:rPr>
-              <a:t>Descripción </a:t>
-            </a:r>
-            <a:r>
-              <a:rPr lang="es-ES" sz="8800" dirty="0" err="1">
+              <a:t>DESCRIPCIÓN DATABASE</a:t>
+            </a:r>
+          </a:p>
+        </p:txBody>
+      </p:sp>
+      <p:sp>
+        <p:nvSpPr>
+          <p:cNvPr id="13" name="Marcador de contenido 12">
+            <a:extLst>
+              <a:ext uri="{FF2B5EF4-FFF2-40B4-BE49-F238E27FC236}">
+                <a16:creationId xmlns:a16="http://schemas.microsoft.com/office/drawing/2014/main" id="{FBAF3E08-C150-4296-A09D-3E86C3D009DE}"/>
+              </a:ext>
+            </a:extLst>
+          </p:cNvPr>
+          <p:cNvSpPr>
+            <a:spLocks noGrp="1"/>
+          </p:cNvSpPr>
+          <p:nvPr>
+            <p:ph idx="1"/>
+          </p:nvPr>
+        </p:nvSpPr>
+        <p:spPr>
+          <a:xfrm>
+            <a:off x="562992" y="1855694"/>
+            <a:ext cx="10515600" cy="5002306"/>
+          </a:xfrm>
+        </p:spPr>
+        <p:txBody>
+          <a:bodyPr>
+            <a:noAutofit/>
+          </a:bodyPr>
+          <a:lstStyle/>
+          <a:p>
+            <a:pPr marL="0" indent="0">
+              <a:buNone/>
+            </a:pPr>
+            <a:r>
+              <a:rPr lang="es-ES" sz="3600" dirty="0">
+                <a:solidFill>
+                  <a:schemeClr val="bg1"/>
+                </a:solidFill>
+                <a:latin typeface="Bahnschrift Condensed" panose="020B0502040204020203" pitchFamily="34" charset="0"/>
+              </a:rPr>
+              <a:t>Esta </a:t>
+            </a:r>
+            <a:r>
+              <a:rPr lang="es-ES" sz="3600" dirty="0" err="1">
                 <a:solidFill>
                   <a:schemeClr val="bg1"/>
                 </a:solidFill>
@@ -3590,282 +3632,290 @@
               </a:rPr>
               <a:t>database</a:t>
             </a:r>
-            <a:endParaRPr lang="es-ES" sz="8800" dirty="0">
+            <a:r>
+              <a:rPr lang="es-ES" sz="3600" dirty="0">
+                <a:solidFill>
+                  <a:schemeClr val="bg1"/>
+                </a:solidFill>
+                <a:latin typeface="Bahnschrift Condensed" panose="020B0502040204020203" pitchFamily="34" charset="0"/>
+              </a:rPr>
+              <a:t> almacena los datos de ventas de los juegos más populares que han salido para las tres ultimas generaciones de Play </a:t>
+            </a:r>
+            <a:r>
+              <a:rPr lang="es-ES" sz="3600" dirty="0" err="1">
+                <a:solidFill>
+                  <a:schemeClr val="bg1"/>
+                </a:solidFill>
+                <a:latin typeface="Bahnschrift Condensed" panose="020B0502040204020203" pitchFamily="34" charset="0"/>
+              </a:rPr>
+              <a:t>Station</a:t>
+            </a:r>
+            <a:r>
+              <a:rPr lang="es-ES" sz="3600" dirty="0">
+                <a:solidFill>
+                  <a:schemeClr val="bg1"/>
+                </a:solidFill>
+                <a:latin typeface="Bahnschrift Condensed" panose="020B0502040204020203" pitchFamily="34" charset="0"/>
+              </a:rPr>
+              <a:t> (PS3, PS4, PS5). </a:t>
+            </a:r>
+          </a:p>
+          <a:p>
+            <a:pPr marL="0" indent="0">
+              <a:buNone/>
+            </a:pPr>
+            <a:endParaRPr lang="es-ES" sz="3600" dirty="0">
               <a:solidFill>
                 <a:schemeClr val="bg1"/>
               </a:solidFill>
               <a:latin typeface="Bahnschrift Condensed" panose="020B0502040204020203" pitchFamily="34" charset="0"/>
             </a:endParaRPr>
           </a:p>
-        </p:txBody>
-      </p:sp>
-      <mc:AlternateContent xmlns:mc="http://schemas.openxmlformats.org/markup-compatibility/2006">
-        <mc:Choice xmlns:am3d="http://schemas.microsoft.com/office/drawing/2017/model3d" Requires="am3d">
-          <p:graphicFrame>
-            <p:nvGraphicFramePr>
-              <p:cNvPr id="7" name="Modelo 3D 6" descr="Emoji de cara caliente">
-                <a:extLst>
-                  <a:ext uri="{FF2B5EF4-FFF2-40B4-BE49-F238E27FC236}">
-                    <a16:creationId xmlns:a16="http://schemas.microsoft.com/office/drawing/2014/main" id="{5BFD3E68-B57D-4EEA-80A3-88A061BE1775}"/>
-                  </a:ext>
-                </a:extLst>
-              </p:cNvPr>
-              <p:cNvGraphicFramePr>
-                <a:graphicFrameLocks noChangeAspect="1"/>
-              </p:cNvGraphicFramePr>
-              <p:nvPr>
-                <p:extLst>
-                  <p:ext uri="{D42A27DB-BD31-4B8C-83A1-F6EECF244321}">
-                    <p14:modId xmlns:p14="http://schemas.microsoft.com/office/powerpoint/2010/main" val="2117169844"/>
-                  </p:ext>
-                </p:extLst>
-              </p:nvPr>
-            </p:nvGraphicFramePr>
-            <p:xfrm>
-              <a:off x="11752620" y="0"/>
-              <a:ext cx="439380" cy="384447"/>
-            </p:xfrm>
-            <a:graphic>
-              <a:graphicData uri="http://schemas.microsoft.com/office/drawing/2017/model3d">
-                <am3d:model3d r:embed="rId3">
-                  <am3d:spPr>
-                    <a:xfrm>
-                      <a:off x="0" y="0"/>
-                      <a:ext cx="439380" cy="384447"/>
-                    </a:xfrm>
-                    <a:prstGeom prst="rect">
-                      <a:avLst/>
-                    </a:prstGeom>
-                  </am3d:spPr>
-                  <am3d:camera>
-                    <am3d:pos x="0" y="0" z="77741944"/>
-                    <am3d:up dx="0" dy="36000000" dz="0"/>
-                    <am3d:lookAt x="0" y="0" z="0"/>
-                    <am3d:perspective fov="2700000"/>
-                  </am3d:camera>
-                  <am3d:trans>
-                    <am3d:meterPerModelUnit n="88662" d="1000000"/>
-                    <am3d:preTrans dx="2152" dy="-16757246" dz="-1248832"/>
-                    <am3d:scale>
-                      <am3d:sx n="1000000" d="1000000"/>
-                      <am3d:sy n="1000000" d="1000000"/>
-                      <am3d:sz n="1000000" d="1000000"/>
-                    </am3d:scale>
-                    <am3d:rot ax="356102" ay="1586370" az="158998"/>
-                    <am3d:postTrans dx="0" dy="0" dz="0"/>
-                  </am3d:trans>
-                  <am3d:raster rName="Office3DRenderer" rVer="16.0.8326">
-                    <am3d:blip r:embed="rId4"/>
-                  </am3d:raster>
-                  <am3d:objViewport viewportSz="534474"/>
-                  <am3d:ambientLight>
-                    <am3d:clr>
-                      <a:scrgbClr r="50000" g="50000" b="50000"/>
-                    </am3d:clr>
-                    <am3d:illuminance n="500000" d="1000000"/>
-                  </am3d:ambientLight>
-                  <am3d:ptLight rad="0">
-                    <am3d:clr>
-                      <a:scrgbClr r="100000" g="75000" b="50000"/>
-                    </am3d:clr>
-                    <am3d:intensity n="9765625" d="1000000"/>
-                    <am3d:pos x="21959998" y="70920001" z="16344003"/>
-                  </am3d:ptLight>
-                  <am3d:ptLight rad="0">
-                    <am3d:clr>
-                      <a:scrgbClr r="40000" g="60000" b="95000"/>
-                    </am3d:clr>
-                    <am3d:intensity n="12250000" d="1000000"/>
-                    <am3d:pos x="-37964106" y="51130435" z="57631972"/>
-                  </am3d:ptLight>
-                  <am3d:ptLight rad="0">
-                    <am3d:clr>
-                      <a:scrgbClr r="86837" g="72700" b="100000"/>
-                    </am3d:clr>
-                    <am3d:intensity n="3125000" d="1000000"/>
-                    <am3d:pos x="-37739122" y="58056624" z="-34769649"/>
-                  </am3d:ptLight>
-                </am3d:model3d>
-              </a:graphicData>
-            </a:graphic>
-          </p:graphicFrame>
-        </mc:Choice>
-        <mc:Fallback>
-          <p:pic>
-            <p:nvPicPr>
-              <p:cNvPr id="7" name="Modelo 3D 6" descr="Emoji de cara caliente">
-                <a:extLst>
-                  <a:ext uri="{FF2B5EF4-FFF2-40B4-BE49-F238E27FC236}">
-                    <a16:creationId xmlns:a16="http://schemas.microsoft.com/office/drawing/2014/main" id="{5BFD3E68-B57D-4EEA-80A3-88A061BE1775}"/>
-                  </a:ext>
-                </a:extLst>
-              </p:cNvPr>
-              <p:cNvPicPr>
-                <a:picLocks noGrp="1" noRot="1" noChangeAspect="1" noMove="1" noResize="1" noEditPoints="1" noAdjustHandles="1" noChangeArrowheads="1" noChangeShapeType="1" noCrop="1"/>
-              </p:cNvPicPr>
-              <p:nvPr/>
-            </p:nvPicPr>
-            <p:blipFill>
-              <a:blip r:embed="rId4"/>
-              <a:stretch>
-                <a:fillRect/>
-              </a:stretch>
-            </p:blipFill>
-            <p:spPr>
-              <a:xfrm>
-                <a:off x="11752620" y="0"/>
-                <a:ext cx="439380" cy="384447"/>
-              </a:xfrm>
-              <a:prstGeom prst="rect">
-                <a:avLst/>
-              </a:prstGeom>
-            </p:spPr>
-          </p:pic>
-        </mc:Fallback>
-      </mc:AlternateContent>
-      <p:sp>
-        <p:nvSpPr>
-          <p:cNvPr id="13" name="Marcador de contenido 12">
-            <a:extLst>
-              <a:ext uri="{FF2B5EF4-FFF2-40B4-BE49-F238E27FC236}">
-                <a16:creationId xmlns:a16="http://schemas.microsoft.com/office/drawing/2014/main" id="{FBAF3E08-C150-4296-A09D-3E86C3D009DE}"/>
-              </a:ext>
-            </a:extLst>
-          </p:cNvPr>
-          <p:cNvSpPr>
-            <a:spLocks noGrp="1"/>
-          </p:cNvSpPr>
-          <p:nvPr>
-            <p:ph idx="1"/>
-          </p:nvPr>
+          <a:p>
+            <a:pPr marL="0" indent="0">
+              <a:buNone/>
+            </a:pPr>
+            <a:r>
+              <a:rPr lang="es-ES" sz="3600" dirty="0">
+                <a:solidFill>
+                  <a:schemeClr val="bg1"/>
+                </a:solidFill>
+                <a:latin typeface="Bahnschrift Condensed" panose="020B0502040204020203" pitchFamily="34" charset="0"/>
+              </a:rPr>
+              <a:t>Datos:    Consola</a:t>
+            </a:r>
+          </a:p>
+          <a:p>
+            <a:pPr marL="0" indent="0">
+              <a:buNone/>
+            </a:pPr>
+            <a:r>
+              <a:rPr lang="es-ES" sz="3600" dirty="0">
+                <a:solidFill>
+                  <a:schemeClr val="bg1"/>
+                </a:solidFill>
+                <a:latin typeface="Bahnschrift Condensed" panose="020B0502040204020203" pitchFamily="34" charset="0"/>
+              </a:rPr>
+              <a:t>	    Publicador</a:t>
+            </a:r>
+          </a:p>
+          <a:p>
+            <a:pPr marL="0" indent="0">
+              <a:buNone/>
+            </a:pPr>
+            <a:r>
+              <a:rPr lang="es-ES" sz="3600" dirty="0">
+                <a:solidFill>
+                  <a:schemeClr val="bg1"/>
+                </a:solidFill>
+                <a:latin typeface="Bahnschrift Condensed" panose="020B0502040204020203" pitchFamily="34" charset="0"/>
+              </a:rPr>
+              <a:t>	    Desarrollador</a:t>
+            </a:r>
+          </a:p>
+          <a:p>
+            <a:pPr marL="0" indent="0">
+              <a:buNone/>
+            </a:pPr>
+            <a:r>
+              <a:rPr lang="es-ES" sz="3600" dirty="0">
+                <a:solidFill>
+                  <a:schemeClr val="bg1"/>
+                </a:solidFill>
+                <a:latin typeface="Bahnschrift Condensed" panose="020B0502040204020203" pitchFamily="34" charset="0"/>
+              </a:rPr>
+              <a:t>	    Género</a:t>
+            </a:r>
+          </a:p>
+        </p:txBody>
+      </p:sp>
+      <p:sp>
+        <p:nvSpPr>
+          <p:cNvPr id="3" name="CuadroTexto 2">
+            <a:extLst>
+              <a:ext uri="{FF2B5EF4-FFF2-40B4-BE49-F238E27FC236}">
+                <a16:creationId xmlns:a16="http://schemas.microsoft.com/office/drawing/2014/main" id="{769AA2D0-2E98-420B-AB03-E4FBDE3A0D0A}"/>
+              </a:ext>
+            </a:extLst>
+          </p:cNvPr>
+          <p:cNvSpPr txBox="1"/>
+          <p:nvPr/>
         </p:nvSpPr>
         <p:spPr>
           <a:xfrm>
-            <a:off x="562992" y="2506662"/>
-            <a:ext cx="10515600" cy="4351338"/>
+            <a:off x="4634753" y="4114800"/>
+            <a:ext cx="5190565" cy="2471446"/>
           </a:xfrm>
+          <a:prstGeom prst="rect">
+            <a:avLst/>
+          </a:prstGeom>
+          <a:noFill/>
         </p:spPr>
         <p:txBody>
-          <a:bodyPr>
-            <a:noAutofit/>
+          <a:bodyPr wrap="square" rtlCol="0">
+            <a:spAutoFit/>
           </a:bodyPr>
           <a:lstStyle/>
           <a:p>
-            <a:pPr marL="0" indent="0">
-              <a:buNone/>
+            <a:pPr>
+              <a:lnSpc>
+                <a:spcPct val="90000"/>
+              </a:lnSpc>
+              <a:spcBef>
+                <a:spcPts val="1000"/>
+              </a:spcBef>
             </a:pPr>
             <a:r>
-              <a:rPr lang="es-ES" sz="4000" dirty="0">
+              <a:rPr lang="es-ES" sz="3600" dirty="0">
                 <a:solidFill>
                   <a:schemeClr val="bg1"/>
                 </a:solidFill>
                 <a:latin typeface="Bahnschrift Condensed" panose="020B0502040204020203" pitchFamily="34" charset="0"/>
               </a:rPr>
-              <a:t>Esta </a:t>
-            </a:r>
-            <a:r>
-              <a:rPr lang="es-ES" sz="4000" dirty="0" err="1">
+              <a:t>Plataforma</a:t>
+            </a:r>
+          </a:p>
+          <a:p>
+            <a:pPr>
+              <a:lnSpc>
+                <a:spcPct val="90000"/>
+              </a:lnSpc>
+              <a:spcBef>
+                <a:spcPts val="1000"/>
+              </a:spcBef>
+            </a:pPr>
+            <a:r>
+              <a:rPr lang="es-ES" sz="3600" dirty="0">
                 <a:solidFill>
                   <a:schemeClr val="bg1"/>
                 </a:solidFill>
                 <a:latin typeface="Bahnschrift Condensed" panose="020B0502040204020203" pitchFamily="34" charset="0"/>
               </a:rPr>
-              <a:t>database</a:t>
-            </a:r>
-            <a:r>
-              <a:rPr lang="es-ES" sz="4000" dirty="0">
+              <a:t>Fecha de salida</a:t>
+            </a:r>
+          </a:p>
+          <a:p>
+            <a:pPr>
+              <a:lnSpc>
+                <a:spcPct val="90000"/>
+              </a:lnSpc>
+              <a:spcBef>
+                <a:spcPts val="1000"/>
+              </a:spcBef>
+            </a:pPr>
+            <a:r>
+              <a:rPr lang="es-ES" sz="3600" dirty="0">
                 <a:solidFill>
                   <a:schemeClr val="bg1"/>
                 </a:solidFill>
                 <a:latin typeface="Bahnschrift Condensed" panose="020B0502040204020203" pitchFamily="34" charset="0"/>
               </a:rPr>
-              <a:t> almacena los datos de ventas de los juegos mas populares que han salido para las tres ultimas generaciones de </a:t>
-            </a:r>
-            <a:r>
-              <a:rPr lang="es-ES" sz="4000" dirty="0" err="1">
+              <a:t>Valoración</a:t>
+            </a:r>
+          </a:p>
+          <a:p>
+            <a:pPr>
+              <a:lnSpc>
+                <a:spcPct val="90000"/>
+              </a:lnSpc>
+              <a:spcBef>
+                <a:spcPts val="1000"/>
+              </a:spcBef>
+            </a:pPr>
+            <a:r>
+              <a:rPr lang="es-ES" sz="3600" dirty="0">
                 <a:solidFill>
                   <a:schemeClr val="bg1"/>
                 </a:solidFill>
                 <a:latin typeface="Bahnschrift Condensed" panose="020B0502040204020203" pitchFamily="34" charset="0"/>
               </a:rPr>
-              <a:t>play</a:t>
-            </a:r>
-            <a:r>
-              <a:rPr lang="es-ES" sz="4000" dirty="0">
+              <a:t>Ventas totales</a:t>
+            </a:r>
+          </a:p>
+        </p:txBody>
+      </p:sp>
+      <p:sp>
+        <p:nvSpPr>
+          <p:cNvPr id="6" name="CuadroTexto 5">
+            <a:extLst>
+              <a:ext uri="{FF2B5EF4-FFF2-40B4-BE49-F238E27FC236}">
+                <a16:creationId xmlns:a16="http://schemas.microsoft.com/office/drawing/2014/main" id="{AEAD2BD9-5185-41C9-B79A-D85C9453E072}"/>
+              </a:ext>
+            </a:extLst>
+          </p:cNvPr>
+          <p:cNvSpPr txBox="1"/>
+          <p:nvPr/>
+        </p:nvSpPr>
+        <p:spPr>
+          <a:xfrm>
+            <a:off x="7856673" y="4114799"/>
+            <a:ext cx="5190565" cy="1844608"/>
+          </a:xfrm>
+          <a:prstGeom prst="rect">
+            <a:avLst/>
+          </a:prstGeom>
+          <a:noFill/>
+        </p:spPr>
+        <p:txBody>
+          <a:bodyPr wrap="square" rtlCol="0">
+            <a:spAutoFit/>
+          </a:bodyPr>
+          <a:lstStyle/>
+          <a:p>
+            <a:pPr>
+              <a:lnSpc>
+                <a:spcPct val="90000"/>
+              </a:lnSpc>
+              <a:spcBef>
+                <a:spcPts val="1000"/>
+              </a:spcBef>
+            </a:pPr>
+            <a:r>
+              <a:rPr lang="es-ES" sz="3600" dirty="0">
                 <a:solidFill>
                   <a:schemeClr val="bg1"/>
                 </a:solidFill>
                 <a:latin typeface="Bahnschrift Condensed" panose="020B0502040204020203" pitchFamily="34" charset="0"/>
               </a:rPr>
-              <a:t> </a:t>
-            </a:r>
-            <a:r>
-              <a:rPr lang="es-ES" sz="4000" dirty="0" err="1">
+              <a:t>Ventas en EEUU</a:t>
+            </a:r>
+          </a:p>
+          <a:p>
+            <a:pPr>
+              <a:lnSpc>
+                <a:spcPct val="90000"/>
+              </a:lnSpc>
+              <a:spcBef>
+                <a:spcPts val="1000"/>
+              </a:spcBef>
+            </a:pPr>
+            <a:r>
+              <a:rPr lang="es-ES" sz="3600" dirty="0">
                 <a:solidFill>
                   <a:schemeClr val="bg1"/>
                 </a:solidFill>
                 <a:latin typeface="Bahnschrift Condensed" panose="020B0502040204020203" pitchFamily="34" charset="0"/>
               </a:rPr>
-              <a:t>station</a:t>
-            </a:r>
-            <a:r>
-              <a:rPr lang="es-ES" sz="4000" dirty="0">
+              <a:t>Ventas en Europa</a:t>
+            </a:r>
+          </a:p>
+          <a:p>
+            <a:pPr>
+              <a:lnSpc>
+                <a:spcPct val="90000"/>
+              </a:lnSpc>
+              <a:spcBef>
+                <a:spcPts val="1000"/>
+              </a:spcBef>
+            </a:pPr>
+            <a:r>
+              <a:rPr lang="es-ES" sz="3600" dirty="0">
                 <a:solidFill>
                   <a:schemeClr val="bg1"/>
                 </a:solidFill>
                 <a:latin typeface="Bahnschrift Condensed" panose="020B0502040204020203" pitchFamily="34" charset="0"/>
               </a:rPr>
-              <a:t> (PS3, PS4, PS5). </a:t>
-            </a:r>
-          </a:p>
-          <a:p>
-            <a:pPr marL="0" indent="0">
-              <a:buNone/>
-            </a:pPr>
-            <a:r>
-              <a:rPr lang="es-ES" sz="4000" dirty="0">
-                <a:solidFill>
-                  <a:schemeClr val="bg1"/>
-                </a:solidFill>
-                <a:latin typeface="Bahnschrift Condensed" panose="020B0502040204020203" pitchFamily="34" charset="0"/>
-              </a:rPr>
-              <a:t>Los datos son:  consola,  publicador, desarrollador, genero, plataforma, fecha de salida, </a:t>
-            </a:r>
-            <a:r>
-              <a:rPr lang="es-ES" sz="4000" dirty="0" err="1">
-                <a:solidFill>
-                  <a:schemeClr val="bg1"/>
-                </a:solidFill>
-                <a:latin typeface="Bahnschrift Condensed" panose="020B0502040204020203" pitchFamily="34" charset="0"/>
-              </a:rPr>
-              <a:t>valoarcion</a:t>
-            </a:r>
-            <a:r>
-              <a:rPr lang="es-ES" sz="4000" dirty="0">
-                <a:solidFill>
-                  <a:schemeClr val="bg1"/>
-                </a:solidFill>
-                <a:latin typeface="Bahnschrift Condensed" panose="020B0502040204020203" pitchFamily="34" charset="0"/>
-              </a:rPr>
-              <a:t>, ventas totales, ventas en EEUU; ventas en Europa, </a:t>
-            </a:r>
-            <a:r>
-              <a:rPr lang="es-ES" sz="4000" dirty="0" err="1">
-                <a:solidFill>
-                  <a:schemeClr val="bg1"/>
-                </a:solidFill>
-                <a:latin typeface="Bahnschrift Condensed" panose="020B0502040204020203" pitchFamily="34" charset="0"/>
-              </a:rPr>
-              <a:t>ventas_Japon</a:t>
-            </a:r>
-            <a:r>
-              <a:rPr lang="es-ES" sz="4000" dirty="0">
-                <a:solidFill>
-                  <a:schemeClr val="bg1"/>
-                </a:solidFill>
-                <a:latin typeface="Bahnschrift Condensed" panose="020B0502040204020203" pitchFamily="34" charset="0"/>
-              </a:rPr>
-              <a:t>.</a:t>
+              <a:t>Ventas en Japón</a:t>
             </a:r>
           </a:p>
         </p:txBody>
@@ -3958,160 +4008,50 @@
             <p:ph type="title"/>
           </p:nvPr>
         </p:nvSpPr>
-        <p:spPr/>
-        <p:txBody>
-          <a:bodyPr>
-            <a:normAutofit/>
-          </a:bodyPr>
-          <a:lstStyle/>
-          <a:p>
-            <a:endParaRPr lang="es-ES" sz="8800" dirty="0">
-              <a:solidFill>
-                <a:schemeClr val="bg1"/>
-              </a:solidFill>
-              <a:latin typeface="Bahnschrift Condensed" panose="020B0502040204020203" pitchFamily="34" charset="0"/>
-            </a:endParaRPr>
-          </a:p>
-        </p:txBody>
-      </p:sp>
-      <mc:AlternateContent xmlns:mc="http://schemas.openxmlformats.org/markup-compatibility/2006">
-        <mc:Choice xmlns:am3d="http://schemas.microsoft.com/office/drawing/2017/model3d" Requires="am3d">
-          <p:graphicFrame>
-            <p:nvGraphicFramePr>
-              <p:cNvPr id="7" name="Modelo 3D 6" descr="Emoji de cara caliente">
-                <a:extLst>
-                  <a:ext uri="{FF2B5EF4-FFF2-40B4-BE49-F238E27FC236}">
-                    <a16:creationId xmlns:a16="http://schemas.microsoft.com/office/drawing/2014/main" id="{5BFD3E68-B57D-4EEA-80A3-88A061BE1775}"/>
-                  </a:ext>
-                </a:extLst>
-              </p:cNvPr>
-              <p:cNvGraphicFramePr>
-                <a:graphicFrameLocks noChangeAspect="1"/>
-              </p:cNvGraphicFramePr>
-              <p:nvPr/>
-            </p:nvGraphicFramePr>
-            <p:xfrm>
-              <a:off x="11752620" y="0"/>
-              <a:ext cx="439380" cy="384447"/>
-            </p:xfrm>
-            <a:graphic>
-              <a:graphicData uri="http://schemas.microsoft.com/office/drawing/2017/model3d">
-                <am3d:model3d r:embed="rId3">
-                  <am3d:spPr>
-                    <a:xfrm>
-                      <a:off x="0" y="0"/>
-                      <a:ext cx="439380" cy="384447"/>
-                    </a:xfrm>
-                    <a:prstGeom prst="rect">
-                      <a:avLst/>
-                    </a:prstGeom>
-                  </am3d:spPr>
-                  <am3d:camera>
-                    <am3d:pos x="0" y="0" z="77741944"/>
-                    <am3d:up dx="0" dy="36000000" dz="0"/>
-                    <am3d:lookAt x="0" y="0" z="0"/>
-                    <am3d:perspective fov="2700000"/>
-                  </am3d:camera>
-                  <am3d:trans>
-                    <am3d:meterPerModelUnit n="88662" d="1000000"/>
-                    <am3d:preTrans dx="2152" dy="-16757246" dz="-1248832"/>
-                    <am3d:scale>
-                      <am3d:sx n="1000000" d="1000000"/>
-                      <am3d:sy n="1000000" d="1000000"/>
-                      <am3d:sz n="1000000" d="1000000"/>
-                    </am3d:scale>
-                    <am3d:rot ax="356102" ay="1586370" az="158998"/>
-                    <am3d:postTrans dx="0" dy="0" dz="0"/>
-                  </am3d:trans>
-                  <am3d:raster rName="Office3DRenderer" rVer="16.0.8326">
-                    <am3d:blip r:embed="rId4"/>
-                  </am3d:raster>
-                  <am3d:objViewport viewportSz="534474"/>
-                  <am3d:ambientLight>
-                    <am3d:clr>
-                      <a:scrgbClr r="50000" g="50000" b="50000"/>
-                    </am3d:clr>
-                    <am3d:illuminance n="500000" d="1000000"/>
-                  </am3d:ambientLight>
-                  <am3d:ptLight rad="0">
-                    <am3d:clr>
-                      <a:scrgbClr r="100000" g="75000" b="50000"/>
-                    </am3d:clr>
-                    <am3d:intensity n="9765625" d="1000000"/>
-                    <am3d:pos x="21959998" y="70920001" z="16344003"/>
-                  </am3d:ptLight>
-                  <am3d:ptLight rad="0">
-                    <am3d:clr>
-                      <a:scrgbClr r="40000" g="60000" b="95000"/>
-                    </am3d:clr>
-                    <am3d:intensity n="12250000" d="1000000"/>
-                    <am3d:pos x="-37964106" y="51130435" z="57631972"/>
-                  </am3d:ptLight>
-                  <am3d:ptLight rad="0">
-                    <am3d:clr>
-                      <a:scrgbClr r="86837" g="72700" b="100000"/>
-                    </am3d:clr>
-                    <am3d:intensity n="3125000" d="1000000"/>
-                    <am3d:pos x="-37739122" y="58056624" z="-34769649"/>
-                  </am3d:ptLight>
-                </am3d:model3d>
-              </a:graphicData>
-            </a:graphic>
-          </p:graphicFrame>
-        </mc:Choice>
-        <mc:Fallback>
-          <p:pic>
-            <p:nvPicPr>
-              <p:cNvPr id="7" name="Modelo 3D 6" descr="Emoji de cara caliente">
-                <a:extLst>
-                  <a:ext uri="{FF2B5EF4-FFF2-40B4-BE49-F238E27FC236}">
-                    <a16:creationId xmlns:a16="http://schemas.microsoft.com/office/drawing/2014/main" id="{5BFD3E68-B57D-4EEA-80A3-88A061BE1775}"/>
-                  </a:ext>
-                </a:extLst>
-              </p:cNvPr>
-              <p:cNvPicPr>
-                <a:picLocks noGrp="1" noRot="1" noChangeAspect="1" noMove="1" noResize="1" noEditPoints="1" noAdjustHandles="1" noChangeArrowheads="1" noChangeShapeType="1" noCrop="1"/>
-              </p:cNvPicPr>
-              <p:nvPr/>
-            </p:nvPicPr>
-            <p:blipFill>
-              <a:blip r:embed="rId4"/>
-              <a:stretch>
-                <a:fillRect/>
-              </a:stretch>
-            </p:blipFill>
-            <p:spPr>
-              <a:xfrm>
-                <a:off x="11752620" y="0"/>
-                <a:ext cx="439380" cy="384447"/>
-              </a:xfrm>
-              <a:prstGeom prst="rect">
-                <a:avLst/>
-              </a:prstGeom>
-            </p:spPr>
-          </p:pic>
-        </mc:Fallback>
-      </mc:AlternateContent>
-      <p:sp>
-        <p:nvSpPr>
-          <p:cNvPr id="13" name="Marcador de contenido 12">
-            <a:extLst>
-              <a:ext uri="{FF2B5EF4-FFF2-40B4-BE49-F238E27FC236}">
-                <a16:creationId xmlns:a16="http://schemas.microsoft.com/office/drawing/2014/main" id="{FBAF3E08-C150-4296-A09D-3E86C3D009DE}"/>
-              </a:ext>
-            </a:extLst>
-          </p:cNvPr>
-          <p:cNvSpPr>
-            <a:spLocks noGrp="1"/>
-          </p:cNvSpPr>
-          <p:nvPr>
-            <p:ph idx="1"/>
-          </p:nvPr>
-        </p:nvSpPr>
         <p:spPr>
           <a:xfrm>
-            <a:off x="562992" y="2506662"/>
-            <a:ext cx="10515600" cy="4351338"/>
+            <a:off x="658905" y="302084"/>
+            <a:ext cx="11031071" cy="1325563"/>
+          </a:xfrm>
+        </p:spPr>
+        <p:txBody>
+          <a:bodyPr>
+            <a:normAutofit fontScale="90000"/>
+          </a:bodyPr>
+          <a:lstStyle/>
+          <a:p>
+            <a:r>
+              <a:rPr lang="es-ES" sz="8800" dirty="0">
+                <a:solidFill>
+                  <a:schemeClr val="bg1"/>
+                </a:solidFill>
+                <a:latin typeface="Bahnschrift Condensed" panose="020B0502040204020203" pitchFamily="34" charset="0"/>
+              </a:rPr>
+              <a:t>PROCESADO Y ALMACENAMIENTO</a:t>
+            </a:r>
+          </a:p>
+        </p:txBody>
+      </p:sp>
+      <p:sp>
+        <p:nvSpPr>
+          <p:cNvPr id="13" name="Marcador de contenido 12">
+            <a:extLst>
+              <a:ext uri="{FF2B5EF4-FFF2-40B4-BE49-F238E27FC236}">
+                <a16:creationId xmlns:a16="http://schemas.microsoft.com/office/drawing/2014/main" id="{FBAF3E08-C150-4296-A09D-3E86C3D009DE}"/>
+              </a:ext>
+            </a:extLst>
+          </p:cNvPr>
+          <p:cNvSpPr>
+            <a:spLocks noGrp="1"/>
+          </p:cNvSpPr>
+          <p:nvPr>
+            <p:ph idx="1"/>
+          </p:nvPr>
+        </p:nvSpPr>
+        <p:spPr>
+          <a:xfrm>
+            <a:off x="4545106" y="1929731"/>
+            <a:ext cx="7233940" cy="4351338"/>
           </a:xfrm>
         </p:spPr>
         <p:txBody>
@@ -4123,15 +4063,96 @@
             <a:pPr marL="0" indent="0">
               <a:buNone/>
             </a:pPr>
-            <a:endParaRPr lang="es-ES" sz="4000" dirty="0">
-              <a:solidFill>
-                <a:schemeClr val="bg1"/>
-              </a:solidFill>
-              <a:latin typeface="Bahnschrift Condensed" panose="020B0502040204020203" pitchFamily="34" charset="0"/>
-            </a:endParaRPr>
-          </a:p>
-        </p:txBody>
-      </p:sp>
+            <a:r>
+              <a:rPr lang="es-ES" sz="4000" dirty="0">
+                <a:solidFill>
+                  <a:schemeClr val="bg1"/>
+                </a:solidFill>
+                <a:latin typeface="Bahnschrift Condensed" panose="020B0502040204020203" pitchFamily="34" charset="0"/>
+              </a:rPr>
+              <a:t>- Los datos se recogen como juegos</a:t>
+            </a:r>
+          </a:p>
+          <a:p>
+            <a:pPr>
+              <a:buFontTx/>
+              <a:buChar char="-"/>
+            </a:pPr>
+            <a:r>
+              <a:rPr lang="es-ES" sz="4000" dirty="0">
+                <a:solidFill>
+                  <a:schemeClr val="bg1"/>
+                </a:solidFill>
+                <a:latin typeface="Bahnschrift Condensed" panose="020B0502040204020203" pitchFamily="34" charset="0"/>
+              </a:rPr>
+              <a:t> Los datos numéricos se almacenan en            tablas auxiliares para normalizarlos</a:t>
+            </a:r>
+          </a:p>
+          <a:p>
+            <a:pPr>
+              <a:buFontTx/>
+              <a:buChar char="-"/>
+            </a:pPr>
+            <a:r>
+              <a:rPr lang="es-ES" sz="4000" dirty="0">
+                <a:solidFill>
+                  <a:schemeClr val="bg1"/>
+                </a:solidFill>
+                <a:latin typeface="Bahnschrift Condensed" panose="020B0502040204020203" pitchFamily="34" charset="0"/>
+              </a:rPr>
+              <a:t> Una vez normalizados, se guardan todos los datos en el </a:t>
+            </a:r>
+            <a:r>
+              <a:rPr lang="es-ES" sz="4000" dirty="0" err="1">
+                <a:solidFill>
+                  <a:schemeClr val="bg1"/>
+                </a:solidFill>
+                <a:latin typeface="Bahnschrift Condensed" panose="020B0502040204020203" pitchFamily="34" charset="0"/>
+              </a:rPr>
+              <a:t>dataset</a:t>
+            </a:r>
+            <a:r>
+              <a:rPr lang="es-ES" sz="4000" dirty="0">
+                <a:solidFill>
+                  <a:schemeClr val="bg1"/>
+                </a:solidFill>
+                <a:latin typeface="Bahnschrift Condensed" panose="020B0502040204020203" pitchFamily="34" charset="0"/>
+              </a:rPr>
+              <a:t>.</a:t>
+            </a:r>
+          </a:p>
+        </p:txBody>
+      </p:sp>
+      <p:pic>
+        <p:nvPicPr>
+          <p:cNvPr id="4" name="Imagen 3">
+            <a:extLst>
+              <a:ext uri="{FF2B5EF4-FFF2-40B4-BE49-F238E27FC236}">
+                <a16:creationId xmlns:a16="http://schemas.microsoft.com/office/drawing/2014/main" id="{EBCA5E32-1C6C-8AD4-5805-BD34CCB7E5D7}"/>
+              </a:ext>
+            </a:extLst>
+          </p:cNvPr>
+          <p:cNvPicPr>
+            <a:picLocks noChangeAspect="1"/>
+          </p:cNvPicPr>
+          <p:nvPr/>
+        </p:nvPicPr>
+        <p:blipFill>
+          <a:blip r:embed="rId3"/>
+          <a:stretch>
+            <a:fillRect/>
+          </a:stretch>
+        </p:blipFill>
+        <p:spPr>
+          <a:xfrm>
+            <a:off x="838200" y="1929731"/>
+            <a:ext cx="3057435" cy="4406858"/>
+          </a:xfrm>
+          <a:prstGeom prst="rect">
+            <a:avLst/>
+          </a:prstGeom>
+        </p:spPr>
+      </p:pic>
     </p:spTree>
     <p:extLst>
       <p:ext uri="{BB962C8B-B14F-4D97-AF65-F5344CB8AC3E}">
@@ -4150,7 +4171,13 @@
   <p:cSld>
     <p:spTree>
       <p:nvGrpSpPr>
-        <p:cNvPr id="1" name=""/>
+        <p:cNvPr id="1" name="">
+          <a:extLst>
+            <a:ext uri="{FF2B5EF4-FFF2-40B4-BE49-F238E27FC236}">
+              <a16:creationId xmlns:a16="http://schemas.microsoft.com/office/drawing/2014/main" id="{9AA2B627-5D1A-03DA-49BE-A6ACE03F7043}"/>
+            </a:ext>
+          </a:extLst>
+        </p:cNvPr>
         <p:cNvGrpSpPr/>
         <p:nvPr/>
       </p:nvGrpSpPr>
@@ -4162,12 +4189,54 @@
           <a:chExt cx="0" cy="0"/>
         </a:xfrm>
       </p:grpSpPr>
+      <p:pic>
+        <p:nvPicPr>
+          <p:cNvPr id="15" name="Imagen 14">
+            <a:extLst>
+              <a:ext uri="{FF2B5EF4-FFF2-40B4-BE49-F238E27FC236}">
+                <a16:creationId xmlns:a16="http://schemas.microsoft.com/office/drawing/2014/main" id="{1F228BFF-DB37-03B0-7692-12EB81E540C0}"/>
+              </a:ext>
+            </a:extLst>
+          </p:cNvPr>
+          <p:cNvPicPr>
+            <a:picLocks noChangeAspect="1"/>
+          </p:cNvPicPr>
+          <p:nvPr/>
+        </p:nvPicPr>
+        <p:blipFill>
+          <a:blip r:embed="rId2">
+            <a:extLst>
+              <a:ext uri="{28A0092B-C50C-407E-A947-70E740481C1C}">
+                <a14:useLocalDpi xmlns:a14="http://schemas.microsoft.com/office/drawing/2010/main" val="0"/>
+              </a:ext>
+            </a:extLst>
+          </a:blip>
+          <a:stretch>
+            <a:fillRect/>
+          </a:stretch>
+        </p:blipFill>
+        <p:spPr>
+          <a:xfrm rot="10800000">
+            <a:off x="0" y="0"/>
+            <a:ext cx="12192000" cy="6858000"/>
+          </a:xfrm>
+          <a:prstGeom prst="rect">
+            <a:avLst/>
+          </a:prstGeom>
+          <a:ln>
+            <a:noFill/>
+          </a:ln>
+          <a:effectLst>
+            <a:softEdge rad="112500"/>
+          </a:effectLst>
+        </p:spPr>
+      </p:pic>
       <p:sp>
         <p:nvSpPr>
           <p:cNvPr id="2" name="Título 1">
             <a:extLst>
               <a:ext uri="{FF2B5EF4-FFF2-40B4-BE49-F238E27FC236}">
-                <a16:creationId xmlns:a16="http://schemas.microsoft.com/office/drawing/2014/main" id="{35620250-EA36-4E1D-B984-B16CA6C1E2DD}"/>
+                <a16:creationId xmlns:a16="http://schemas.microsoft.com/office/drawing/2014/main" id="{EC04093E-7DE3-21F4-9048-0BF409752D7C}"/>
               </a:ext>
             </a:extLst>
           </p:cNvPr>
@@ -4180,19 +4249,29 @@
         </p:nvSpPr>
         <p:spPr/>
         <p:txBody>
-          <a:bodyPr/>
-          <a:lstStyle/>
-          <a:p>
-            <a:endParaRPr lang="es-ES"/>
-          </a:p>
-        </p:txBody>
-      </p:sp>
-      <p:sp>
-        <p:nvSpPr>
-          <p:cNvPr id="3" name="Marcador de contenido 2">
-            <a:extLst>
-              <a:ext uri="{FF2B5EF4-FFF2-40B4-BE49-F238E27FC236}">
-                <a16:creationId xmlns:a16="http://schemas.microsoft.com/office/drawing/2014/main" id="{7807CF9A-85FE-4961-B61D-21EFB9FFB578}"/>
+          <a:bodyPr>
+            <a:normAutofit/>
+          </a:bodyPr>
+          <a:lstStyle/>
+          <a:p>
+            <a:r>
+              <a:rPr lang="es-ES" sz="8800" dirty="0">
+                <a:solidFill>
+                  <a:schemeClr val="bg1"/>
+                </a:solidFill>
+                <a:latin typeface="Bahnschrift Condensed" panose="020B0502040204020203" pitchFamily="34" charset="0"/>
+              </a:rPr>
+              <a:t>ESTRUCTURA DE DATOS</a:t>
+            </a:r>
+          </a:p>
+        </p:txBody>
+      </p:sp>
+      <p:sp>
+        <p:nvSpPr>
+          <p:cNvPr id="13" name="Marcador de contenido 12">
+            <a:extLst>
+              <a:ext uri="{FF2B5EF4-FFF2-40B4-BE49-F238E27FC236}">
+                <a16:creationId xmlns:a16="http://schemas.microsoft.com/office/drawing/2014/main" id="{AF4149B4-A8C0-43DA-96DC-8C4475D77A56}"/>
               </a:ext>
             </a:extLst>
           </p:cNvPr>
@@ -4203,19 +4282,67 @@
             <p:ph idx="1"/>
           </p:nvPr>
         </p:nvSpPr>
-        <p:spPr/>
-        <p:txBody>
-          <a:bodyPr/>
-          <a:lstStyle/>
-          <a:p>
-            <a:endParaRPr lang="es-ES"/>
-          </a:p>
-        </p:txBody>
-      </p:sp>
+        <p:spPr>
+          <a:xfrm>
+            <a:off x="572824" y="1819834"/>
+            <a:ext cx="10515600" cy="4340075"/>
+          </a:xfrm>
+        </p:spPr>
+        <p:txBody>
+          <a:bodyPr>
+            <a:noAutofit/>
+          </a:bodyPr>
+          <a:lstStyle/>
+          <a:p>
+            <a:pPr marL="0" indent="0">
+              <a:buNone/>
+            </a:pPr>
+            <a:r>
+              <a:rPr lang="es-ES" sz="4000" dirty="0">
+                <a:solidFill>
+                  <a:schemeClr val="bg1"/>
+                </a:solidFill>
+                <a:latin typeface="Bahnschrift Condensed" panose="020B0502040204020203" pitchFamily="34" charset="0"/>
+              </a:rPr>
+              <a:t>Para almacenar las distancias hemos utilizado una lista ordenada, la cual hemos ordenado por distancias, de menor a mayor. Así podemos tener las distancias mínimas en las primeras posiciones de nuestra lista.</a:t>
+            </a:r>
+          </a:p>
+        </p:txBody>
+      </p:sp>
+      <p:pic>
+        <p:nvPicPr>
+          <p:cNvPr id="4" name="Imagen 3">
+            <a:extLst>
+              <a:ext uri="{FF2B5EF4-FFF2-40B4-BE49-F238E27FC236}">
+                <a16:creationId xmlns:a16="http://schemas.microsoft.com/office/drawing/2014/main" id="{E2FFAD18-4754-4CC2-BC4D-FA4947C2FF61}"/>
+              </a:ext>
+            </a:extLst>
+          </p:cNvPr>
+          <p:cNvPicPr>
+            <a:picLocks noChangeAspect="1"/>
+          </p:cNvPicPr>
+          <p:nvPr/>
+        </p:nvPicPr>
+        <p:blipFill>
+          <a:blip r:embed="rId3"/>
+          <a:stretch>
+            <a:fillRect/>
+          </a:stretch>
+        </p:blipFill>
+        <p:spPr>
+          <a:xfrm>
+            <a:off x="3504838" y="4478680"/>
+            <a:ext cx="5182323" cy="428685"/>
+          </a:xfrm>
+          <a:prstGeom prst="rect">
+            <a:avLst/>
+          </a:prstGeom>
+        </p:spPr>
+      </p:pic>
     </p:spTree>
     <p:extLst>
       <p:ext uri="{BB962C8B-B14F-4D97-AF65-F5344CB8AC3E}">
-        <p14:creationId xmlns:p14="http://schemas.microsoft.com/office/powerpoint/2010/main" val="822537079"/>
+        <p14:creationId xmlns:p14="http://schemas.microsoft.com/office/powerpoint/2010/main" val="3622721151"/>
       </p:ext>
     </p:extLst>
   </p:cSld>
@@ -4230,7 +4357,13 @@
   <p:cSld>
     <p:spTree>
       <p:nvGrpSpPr>
-        <p:cNvPr id="1" name=""/>
+        <p:cNvPr id="1" name="">
+          <a:extLst>
+            <a:ext uri="{FF2B5EF4-FFF2-40B4-BE49-F238E27FC236}">
+              <a16:creationId xmlns:a16="http://schemas.microsoft.com/office/drawing/2014/main" id="{70285EC7-2D96-1185-35BC-C935E790B1ED}"/>
+            </a:ext>
+          </a:extLst>
+        </p:cNvPr>
         <p:cNvGrpSpPr/>
         <p:nvPr/>
       </p:nvGrpSpPr>
@@ -4242,12 +4375,54 @@
           <a:chExt cx="0" cy="0"/>
         </a:xfrm>
       </p:grpSpPr>
+      <p:pic>
+        <p:nvPicPr>
+          <p:cNvPr id="15" name="Imagen 14">
+            <a:extLst>
+              <a:ext uri="{FF2B5EF4-FFF2-40B4-BE49-F238E27FC236}">
+                <a16:creationId xmlns:a16="http://schemas.microsoft.com/office/drawing/2014/main" id="{DD85681A-B3B0-0D56-4DA8-29870E1FF903}"/>
+              </a:ext>
+            </a:extLst>
+          </p:cNvPr>
+          <p:cNvPicPr>
+            <a:picLocks noChangeAspect="1"/>
+          </p:cNvPicPr>
+          <p:nvPr/>
+        </p:nvPicPr>
+        <p:blipFill>
+          <a:blip r:embed="rId2">
+            <a:extLst>
+              <a:ext uri="{28A0092B-C50C-407E-A947-70E740481C1C}">
+                <a14:useLocalDpi xmlns:a14="http://schemas.microsoft.com/office/drawing/2010/main" val="0"/>
+              </a:ext>
+            </a:extLst>
+          </a:blip>
+          <a:stretch>
+            <a:fillRect/>
+          </a:stretch>
+        </p:blipFill>
+        <p:spPr>
+          <a:xfrm rot="10800000">
+            <a:off x="0" y="0"/>
+            <a:ext cx="12192000" cy="6858000"/>
+          </a:xfrm>
+          <a:prstGeom prst="rect">
+            <a:avLst/>
+          </a:prstGeom>
+          <a:ln>
+            <a:noFill/>
+          </a:ln>
+          <a:effectLst>
+            <a:softEdge rad="112500"/>
+          </a:effectLst>
+        </p:spPr>
+      </p:pic>
       <p:sp>
         <p:nvSpPr>
           <p:cNvPr id="2" name="Título 1">
             <a:extLst>
               <a:ext uri="{FF2B5EF4-FFF2-40B4-BE49-F238E27FC236}">
-                <a16:creationId xmlns:a16="http://schemas.microsoft.com/office/drawing/2014/main" id="{639E0B7B-D8B7-49B0-9102-396F93282AFB}"/>
+                <a16:creationId xmlns:a16="http://schemas.microsoft.com/office/drawing/2014/main" id="{B7276D64-7621-7723-EFFE-261643E6626E}"/>
               </a:ext>
             </a:extLst>
           </p:cNvPr>
@@ -4260,19 +4435,29 @@
         </p:nvSpPr>
         <p:spPr/>
         <p:txBody>
-          <a:bodyPr/>
-          <a:lstStyle/>
-          <a:p>
-            <a:endParaRPr lang="es-ES"/>
-          </a:p>
-        </p:txBody>
-      </p:sp>
-      <p:sp>
-        <p:nvSpPr>
-          <p:cNvPr id="3" name="Marcador de contenido 2">
-            <a:extLst>
-              <a:ext uri="{FF2B5EF4-FFF2-40B4-BE49-F238E27FC236}">
-                <a16:creationId xmlns:a16="http://schemas.microsoft.com/office/drawing/2014/main" id="{84D21097-6D48-4C5A-8014-B953F4282578}"/>
+          <a:bodyPr>
+            <a:normAutofit/>
+          </a:bodyPr>
+          <a:lstStyle/>
+          <a:p>
+            <a:r>
+              <a:rPr lang="es-ES" sz="8800" dirty="0">
+                <a:solidFill>
+                  <a:schemeClr val="bg1"/>
+                </a:solidFill>
+                <a:latin typeface="Bahnschrift Condensed" panose="020B0502040204020203" pitchFamily="34" charset="0"/>
+              </a:rPr>
+              <a:t>RESULTADOS</a:t>
+            </a:r>
+          </a:p>
+        </p:txBody>
+      </p:sp>
+      <p:sp>
+        <p:nvSpPr>
+          <p:cNvPr id="13" name="Marcador de contenido 12">
+            <a:extLst>
+              <a:ext uri="{FF2B5EF4-FFF2-40B4-BE49-F238E27FC236}">
+                <a16:creationId xmlns:a16="http://schemas.microsoft.com/office/drawing/2014/main" id="{2FD8F723-8856-7FE9-9B43-B216FB63C7A9}"/>
               </a:ext>
             </a:extLst>
           </p:cNvPr>
@@ -4283,19 +4468,418 @@
             <p:ph idx="1"/>
           </p:nvPr>
         </p:nvSpPr>
-        <p:spPr/>
-        <p:txBody>
-          <a:bodyPr/>
-          <a:lstStyle/>
-          <a:p>
-            <a:endParaRPr lang="es-ES"/>
-          </a:p>
-        </p:txBody>
-      </p:sp>
+        <p:spPr>
+          <a:xfrm>
+            <a:off x="543327" y="1867566"/>
+            <a:ext cx="11325943" cy="4351338"/>
+          </a:xfrm>
+        </p:spPr>
+        <p:txBody>
+          <a:bodyPr>
+            <a:noAutofit/>
+          </a:bodyPr>
+          <a:lstStyle/>
+          <a:p>
+            <a:pPr marL="0" indent="0">
+              <a:buNone/>
+            </a:pPr>
+            <a:r>
+              <a:rPr lang="es-ES" sz="4000" dirty="0">
+                <a:solidFill>
+                  <a:schemeClr val="bg1"/>
+                </a:solidFill>
+                <a:latin typeface="Bahnschrift Condensed" panose="020B0502040204020203" pitchFamily="34" charset="0"/>
+              </a:rPr>
+              <a:t>Una vez completa la lista y tabla, separamos una parte de nuestra tabla como muestra para hacer el contraste con el resto de datos. Así obtenemos los resultados.</a:t>
+            </a:r>
+          </a:p>
+        </p:txBody>
+      </p:sp>
+      <p:pic>
+        <p:nvPicPr>
+          <p:cNvPr id="4" name="Imagen 3">
+            <a:extLst>
+              <a:ext uri="{FF2B5EF4-FFF2-40B4-BE49-F238E27FC236}">
+                <a16:creationId xmlns:a16="http://schemas.microsoft.com/office/drawing/2014/main" id="{1D4754DB-1404-4CD6-A4C2-C7D5CF095FC9}"/>
+              </a:ext>
+            </a:extLst>
+          </p:cNvPr>
+          <p:cNvPicPr>
+            <a:picLocks noChangeAspect="1"/>
+          </p:cNvPicPr>
+          <p:nvPr/>
+        </p:nvPicPr>
+        <p:blipFill>
+          <a:blip r:embed="rId3"/>
+          <a:stretch>
+            <a:fillRect/>
+          </a:stretch>
+        </p:blipFill>
+        <p:spPr>
+          <a:xfrm>
+            <a:off x="3363678" y="3651491"/>
+            <a:ext cx="5685239" cy="2886961"/>
+          </a:xfrm>
+          <a:prstGeom prst="rect">
+            <a:avLst/>
+          </a:prstGeom>
+        </p:spPr>
+      </p:pic>
     </p:spTree>
     <p:extLst>
       <p:ext uri="{BB962C8B-B14F-4D97-AF65-F5344CB8AC3E}">
-        <p14:creationId xmlns:p14="http://schemas.microsoft.com/office/powerpoint/2010/main" val="444271145"/>
+        <p14:creationId xmlns:p14="http://schemas.microsoft.com/office/powerpoint/2010/main" val="2378425228"/>
+      </p:ext>
+    </p:extLst>
+  </p:cSld>
+  <p:clrMapOvr>
+    <a:masterClrMapping/>
+  </p:clrMapOvr>
+</p:sld>
+</file>
+
+<file path=ppt/slides/slide6.xml><?xml version="1.0" encoding="utf-8"?>
+<p:sld xmlns:a="http://schemas.openxmlformats.org/drawingml/2006/main" xmlns:r="http://schemas.openxmlformats.org/officeDocument/2006/relationships" xmlns:p="http://schemas.openxmlformats.org/presentationml/2006/main">
+  <p:cSld>
+    <p:spTree>
+      <p:nvGrpSpPr>
+        <p:cNvPr id="1" name="">
+          <a:extLst>
+            <a:ext uri="{FF2B5EF4-FFF2-40B4-BE49-F238E27FC236}">
+              <a16:creationId xmlns:a16="http://schemas.microsoft.com/office/drawing/2014/main" id="{F32D54A8-9DF8-DEA7-551C-ABC363CB3140}"/>
+            </a:ext>
+          </a:extLst>
+        </p:cNvPr>
+        <p:cNvGrpSpPr/>
+        <p:nvPr/>
+      </p:nvGrpSpPr>
+      <p:grpSpPr>
+        <a:xfrm>
+          <a:off x="0" y="0"/>
+          <a:ext cx="0" cy="0"/>
+          <a:chOff x="0" y="0"/>
+          <a:chExt cx="0" cy="0"/>
+        </a:xfrm>
+      </p:grpSpPr>
+      <p:pic>
+        <p:nvPicPr>
+          <p:cNvPr id="15" name="Imagen 14">
+            <a:extLst>
+              <a:ext uri="{FF2B5EF4-FFF2-40B4-BE49-F238E27FC236}">
+                <a16:creationId xmlns:a16="http://schemas.microsoft.com/office/drawing/2014/main" id="{1ECFF347-F847-D8F2-5D69-285FBD6F0B3E}"/>
+              </a:ext>
+            </a:extLst>
+          </p:cNvPr>
+          <p:cNvPicPr>
+            <a:picLocks noChangeAspect="1"/>
+          </p:cNvPicPr>
+          <p:nvPr/>
+        </p:nvPicPr>
+        <p:blipFill>
+          <a:blip r:embed="rId2">
+            <a:extLst>
+              <a:ext uri="{28A0092B-C50C-407E-A947-70E740481C1C}">
+                <a14:useLocalDpi xmlns:a14="http://schemas.microsoft.com/office/drawing/2010/main" val="0"/>
+              </a:ext>
+            </a:extLst>
+          </a:blip>
+          <a:stretch>
+            <a:fillRect/>
+          </a:stretch>
+        </p:blipFill>
+        <p:spPr>
+          <a:xfrm rot="10800000">
+            <a:off x="0" y="0"/>
+            <a:ext cx="12192000" cy="6858000"/>
+          </a:xfrm>
+          <a:prstGeom prst="rect">
+            <a:avLst/>
+          </a:prstGeom>
+          <a:ln>
+            <a:noFill/>
+          </a:ln>
+          <a:effectLst>
+            <a:softEdge rad="112500"/>
+          </a:effectLst>
+        </p:spPr>
+      </p:pic>
+      <p:sp>
+        <p:nvSpPr>
+          <p:cNvPr id="2" name="Título 1">
+            <a:extLst>
+              <a:ext uri="{FF2B5EF4-FFF2-40B4-BE49-F238E27FC236}">
+                <a16:creationId xmlns:a16="http://schemas.microsoft.com/office/drawing/2014/main" id="{FED40148-12C0-8D75-A352-CB241B030619}"/>
+              </a:ext>
+            </a:extLst>
+          </p:cNvPr>
+          <p:cNvSpPr>
+            <a:spLocks noGrp="1"/>
+          </p:cNvSpPr>
+          <p:nvPr>
+            <p:ph type="title"/>
+          </p:nvPr>
+        </p:nvSpPr>
+        <p:spPr/>
+        <p:txBody>
+          <a:bodyPr>
+            <a:normAutofit/>
+          </a:bodyPr>
+          <a:lstStyle/>
+          <a:p>
+            <a:r>
+              <a:rPr lang="es-ES" sz="8800" dirty="0">
+                <a:solidFill>
+                  <a:schemeClr val="bg1"/>
+                </a:solidFill>
+                <a:latin typeface="Bahnschrift Condensed" panose="020B0502040204020203" pitchFamily="34" charset="0"/>
+              </a:rPr>
+              <a:t>PROBLEMAS</a:t>
+            </a:r>
+          </a:p>
+        </p:txBody>
+      </p:sp>
+      <p:sp>
+        <p:nvSpPr>
+          <p:cNvPr id="13" name="Marcador de contenido 12">
+            <a:extLst>
+              <a:ext uri="{FF2B5EF4-FFF2-40B4-BE49-F238E27FC236}">
+                <a16:creationId xmlns:a16="http://schemas.microsoft.com/office/drawing/2014/main" id="{145BA965-E53C-44E2-2AA2-3079320DCB87}"/>
+              </a:ext>
+            </a:extLst>
+          </p:cNvPr>
+          <p:cNvSpPr>
+            <a:spLocks noGrp="1"/>
+          </p:cNvSpPr>
+          <p:nvPr>
+            <p:ph idx="1"/>
+          </p:nvPr>
+        </p:nvSpPr>
+        <p:spPr>
+          <a:xfrm>
+            <a:off x="710476" y="1877398"/>
+            <a:ext cx="10515600" cy="4351338"/>
+          </a:xfrm>
+        </p:spPr>
+        <p:txBody>
+          <a:bodyPr>
+            <a:noAutofit/>
+          </a:bodyPr>
+          <a:lstStyle/>
+          <a:p>
+            <a:pPr marL="0" indent="0">
+              <a:buNone/>
+            </a:pPr>
+            <a:r>
+              <a:rPr lang="es-ES" sz="4000" dirty="0">
+                <a:solidFill>
+                  <a:schemeClr val="bg1"/>
+                </a:solidFill>
+                <a:latin typeface="Bahnschrift Condensed" panose="020B0502040204020203" pitchFamily="34" charset="0"/>
+              </a:rPr>
+              <a:t>Problemas relacionados con:</a:t>
+            </a:r>
+          </a:p>
+          <a:p>
+            <a:pPr>
+              <a:buFontTx/>
+              <a:buChar char="-"/>
+            </a:pPr>
+            <a:r>
+              <a:rPr lang="es-ES" sz="4000" dirty="0">
+                <a:solidFill>
+                  <a:schemeClr val="bg1"/>
+                </a:solidFill>
+                <a:latin typeface="Bahnschrift Condensed" panose="020B0502040204020203" pitchFamily="34" charset="0"/>
+              </a:rPr>
+              <a:t> </a:t>
+            </a:r>
+            <a:r>
+              <a:rPr lang="es-ES" sz="4000" dirty="0" err="1">
+                <a:solidFill>
+                  <a:schemeClr val="bg1"/>
+                </a:solidFill>
+                <a:latin typeface="Bahnschrift Condensed" panose="020B0502040204020203" pitchFamily="34" charset="0"/>
+              </a:rPr>
+              <a:t>Dataset</a:t>
+            </a:r>
+            <a:endParaRPr lang="es-ES" sz="4000" dirty="0">
+              <a:solidFill>
+                <a:schemeClr val="bg1"/>
+              </a:solidFill>
+              <a:latin typeface="Bahnschrift Condensed" panose="020B0502040204020203" pitchFamily="34" charset="0"/>
+            </a:endParaRPr>
+          </a:p>
+          <a:p>
+            <a:pPr>
+              <a:buFontTx/>
+              <a:buChar char="-"/>
+            </a:pPr>
+            <a:r>
+              <a:rPr lang="es-ES" sz="4000" dirty="0">
+                <a:solidFill>
+                  <a:schemeClr val="bg1"/>
+                </a:solidFill>
+                <a:latin typeface="Bahnschrift Condensed" panose="020B0502040204020203" pitchFamily="34" charset="0"/>
+              </a:rPr>
+              <a:t> Datos vacíos</a:t>
+            </a:r>
+          </a:p>
+          <a:p>
+            <a:pPr>
+              <a:buFontTx/>
+              <a:buChar char="-"/>
+            </a:pPr>
+            <a:r>
+              <a:rPr lang="es-ES" sz="4000" dirty="0">
+                <a:solidFill>
+                  <a:schemeClr val="bg1"/>
+                </a:solidFill>
+                <a:latin typeface="Bahnschrift Condensed" panose="020B0502040204020203" pitchFamily="34" charset="0"/>
+              </a:rPr>
+              <a:t> Datos erróneos </a:t>
+            </a:r>
+          </a:p>
+          <a:p>
+            <a:pPr>
+              <a:buFontTx/>
+              <a:buChar char="-"/>
+            </a:pPr>
+            <a:r>
+              <a:rPr lang="es-ES" sz="4000" dirty="0">
+                <a:solidFill>
+                  <a:schemeClr val="bg1"/>
+                </a:solidFill>
+                <a:latin typeface="Bahnschrift Condensed" panose="020B0502040204020203" pitchFamily="34" charset="0"/>
+              </a:rPr>
+              <a:t> Columnas desplazadas </a:t>
+            </a:r>
+          </a:p>
+          <a:p>
+            <a:pPr>
+              <a:buFontTx/>
+              <a:buChar char="-"/>
+            </a:pPr>
+            <a:r>
+              <a:rPr lang="es-ES" sz="4000" dirty="0">
+                <a:solidFill>
+                  <a:schemeClr val="bg1"/>
+                </a:solidFill>
+                <a:latin typeface="Bahnschrift Condensed" panose="020B0502040204020203" pitchFamily="34" charset="0"/>
+              </a:rPr>
+              <a:t> Problemas con el código.</a:t>
+            </a:r>
+          </a:p>
+        </p:txBody>
+      </p:sp>
+      <p:sp>
+        <p:nvSpPr>
+          <p:cNvPr id="3" name="CuadroTexto 2">
+            <a:extLst>
+              <a:ext uri="{FF2B5EF4-FFF2-40B4-BE49-F238E27FC236}">
+                <a16:creationId xmlns:a16="http://schemas.microsoft.com/office/drawing/2014/main" id="{3FC73EB1-1338-4078-B769-F2D20AF994C8}"/>
+              </a:ext>
+            </a:extLst>
+          </p:cNvPr>
+          <p:cNvSpPr txBox="1"/>
+          <p:nvPr/>
+        </p:nvSpPr>
+        <p:spPr>
+          <a:xfrm>
+            <a:off x="6376124" y="1943978"/>
+            <a:ext cx="5815876" cy="2471446"/>
+          </a:xfrm>
+          <a:prstGeom prst="rect">
+            <a:avLst/>
+          </a:prstGeom>
+          <a:noFill/>
+        </p:spPr>
+        <p:txBody>
+          <a:bodyPr wrap="square" rtlCol="0">
+            <a:spAutoFit/>
+          </a:bodyPr>
+          <a:lstStyle/>
+          <a:p>
+            <a:pPr>
+              <a:lnSpc>
+                <a:spcPct val="90000"/>
+              </a:lnSpc>
+              <a:spcBef>
+                <a:spcPts val="1000"/>
+              </a:spcBef>
+            </a:pPr>
+            <a:r>
+              <a:rPr lang="es-ES" sz="3600" dirty="0">
+                <a:solidFill>
+                  <a:schemeClr val="bg1"/>
+                </a:solidFill>
+                <a:latin typeface="Bahnschrift Condensed" panose="020B0502040204020203" pitchFamily="34" charset="0"/>
+              </a:rPr>
+              <a:t>Soluciones:</a:t>
+            </a:r>
+          </a:p>
+          <a:p>
+            <a:pPr>
+              <a:lnSpc>
+                <a:spcPct val="90000"/>
+              </a:lnSpc>
+              <a:spcBef>
+                <a:spcPts val="1000"/>
+              </a:spcBef>
+            </a:pPr>
+            <a:r>
+              <a:rPr lang="es-ES" sz="3600" dirty="0">
+                <a:solidFill>
+                  <a:schemeClr val="bg1"/>
+                </a:solidFill>
+                <a:latin typeface="Bahnschrift Condensed" panose="020B0502040204020203" pitchFamily="34" charset="0"/>
+              </a:rPr>
+              <a:t>-  Prueba y error</a:t>
+            </a:r>
+          </a:p>
+          <a:p>
+            <a:pPr>
+              <a:lnSpc>
+                <a:spcPct val="90000"/>
+              </a:lnSpc>
+              <a:spcBef>
+                <a:spcPts val="1000"/>
+              </a:spcBef>
+            </a:pPr>
+            <a:r>
+              <a:rPr lang="es-ES" sz="3600" dirty="0">
+                <a:solidFill>
+                  <a:schemeClr val="bg1"/>
+                </a:solidFill>
+                <a:latin typeface="Bahnschrift Condensed" panose="020B0502040204020203" pitchFamily="34" charset="0"/>
+              </a:rPr>
+              <a:t>-  Editar datos manualmente</a:t>
+            </a:r>
+          </a:p>
+          <a:p>
+            <a:pPr>
+              <a:lnSpc>
+                <a:spcPct val="90000"/>
+              </a:lnSpc>
+              <a:spcBef>
+                <a:spcPts val="1000"/>
+              </a:spcBef>
+            </a:pPr>
+            <a:r>
+              <a:rPr lang="es-ES" sz="3600" dirty="0">
+                <a:solidFill>
+                  <a:schemeClr val="bg1"/>
+                </a:solidFill>
+                <a:latin typeface="Bahnschrift Condensed" panose="020B0502040204020203" pitchFamily="34" charset="0"/>
+              </a:rPr>
+              <a:t>-  Investigación</a:t>
+            </a:r>
+          </a:p>
+        </p:txBody>
+      </p:sp>
+    </p:spTree>
+    <p:extLst>
+      <p:ext uri="{BB962C8B-B14F-4D97-AF65-F5344CB8AC3E}">
+        <p14:creationId xmlns:p14="http://schemas.microsoft.com/office/powerpoint/2010/main" val="2810279904"/>
       </p:ext>
     </p:extLst>
   </p:cSld>
